--- a/CalendarioAgo20L/presentaciones/3_Componentes.pptx
+++ b/CalendarioAgo20L/presentaciones/3_Componentes.pptx
@@ -232,7 +232,7 @@
           <a:p>
             <a:fld id="{2D445F07-8756-451B-A938-0248325FC7BB}" type="datetimeFigureOut">
               <a:rPr lang="es-MX" smtClean="0"/>
-              <a:t>24/07/2020</a:t>
+              <a:t>13/08/2020</a:t>
             </a:fld>
             <a:endParaRPr lang="es-MX" dirty="0"/>
           </a:p>
@@ -2109,7 +2109,7 @@
           <a:p>
             <a:fld id="{5E75A0DC-66C6-4CEC-A5EB-F8C97CEC3796}" type="datetimeFigureOut">
               <a:rPr lang="es-MX" smtClean="0"/>
-              <a:t>24/07/2020</a:t>
+              <a:t>13/08/2020</a:t>
             </a:fld>
             <a:endParaRPr lang="es-MX" dirty="0"/>
           </a:p>
@@ -2279,7 +2279,7 @@
           <a:p>
             <a:fld id="{5E75A0DC-66C6-4CEC-A5EB-F8C97CEC3796}" type="datetimeFigureOut">
               <a:rPr lang="es-MX" smtClean="0"/>
-              <a:t>24/07/2020</a:t>
+              <a:t>13/08/2020</a:t>
             </a:fld>
             <a:endParaRPr lang="es-MX" dirty="0"/>
           </a:p>
@@ -2459,7 +2459,7 @@
           <a:p>
             <a:fld id="{5E75A0DC-66C6-4CEC-A5EB-F8C97CEC3796}" type="datetimeFigureOut">
               <a:rPr lang="es-MX" smtClean="0"/>
-              <a:t>24/07/2020</a:t>
+              <a:t>13/08/2020</a:t>
             </a:fld>
             <a:endParaRPr lang="es-MX" dirty="0"/>
           </a:p>
@@ -2612,7 +2612,7 @@
           <a:p>
             <a:fld id="{1D8BD707-D9CF-40AE-B4C6-C98DA3205C09}" type="datetimeFigureOut">
               <a:rPr lang="en-US" smtClean="0"/>
-              <a:t>7/24/2020</a:t>
+              <a:t>8/13/2020</a:t>
             </a:fld>
             <a:endParaRPr lang="en-US"/>
           </a:p>
@@ -2772,7 +2772,7 @@
           <a:p>
             <a:fld id="{5E75A0DC-66C6-4CEC-A5EB-F8C97CEC3796}" type="datetimeFigureOut">
               <a:rPr lang="es-MX" smtClean="0"/>
-              <a:t>24/07/2020</a:t>
+              <a:t>13/08/2020</a:t>
             </a:fld>
             <a:endParaRPr lang="es-MX" dirty="0"/>
           </a:p>
@@ -3018,7 +3018,7 @@
           <a:p>
             <a:fld id="{5E75A0DC-66C6-4CEC-A5EB-F8C97CEC3796}" type="datetimeFigureOut">
               <a:rPr lang="es-MX" smtClean="0"/>
-              <a:t>24/07/2020</a:t>
+              <a:t>13/08/2020</a:t>
             </a:fld>
             <a:endParaRPr lang="es-MX" dirty="0"/>
           </a:p>
@@ -3306,7 +3306,7 @@
           <a:p>
             <a:fld id="{5E75A0DC-66C6-4CEC-A5EB-F8C97CEC3796}" type="datetimeFigureOut">
               <a:rPr lang="es-MX" smtClean="0"/>
-              <a:t>24/07/2020</a:t>
+              <a:t>13/08/2020</a:t>
             </a:fld>
             <a:endParaRPr lang="es-MX" dirty="0"/>
           </a:p>
@@ -3728,7 +3728,7 @@
           <a:p>
             <a:fld id="{5E75A0DC-66C6-4CEC-A5EB-F8C97CEC3796}" type="datetimeFigureOut">
               <a:rPr lang="es-MX" smtClean="0"/>
-              <a:t>24/07/2020</a:t>
+              <a:t>13/08/2020</a:t>
             </a:fld>
             <a:endParaRPr lang="es-MX" dirty="0"/>
           </a:p>
@@ -3846,7 +3846,7 @@
           <a:p>
             <a:fld id="{5E75A0DC-66C6-4CEC-A5EB-F8C97CEC3796}" type="datetimeFigureOut">
               <a:rPr lang="es-MX" smtClean="0"/>
-              <a:t>24/07/2020</a:t>
+              <a:t>13/08/2020</a:t>
             </a:fld>
             <a:endParaRPr lang="es-MX" dirty="0"/>
           </a:p>
@@ -3941,7 +3941,7 @@
           <a:p>
             <a:fld id="{5E75A0DC-66C6-4CEC-A5EB-F8C97CEC3796}" type="datetimeFigureOut">
               <a:rPr lang="es-MX" smtClean="0"/>
-              <a:t>24/07/2020</a:t>
+              <a:t>13/08/2020</a:t>
             </a:fld>
             <a:endParaRPr lang="es-MX" dirty="0"/>
           </a:p>
@@ -4218,7 +4218,7 @@
           <a:p>
             <a:fld id="{5E75A0DC-66C6-4CEC-A5EB-F8C97CEC3796}" type="datetimeFigureOut">
               <a:rPr lang="es-MX" smtClean="0"/>
-              <a:t>24/07/2020</a:t>
+              <a:t>13/08/2020</a:t>
             </a:fld>
             <a:endParaRPr lang="es-MX" dirty="0"/>
           </a:p>
@@ -4471,7 +4471,7 @@
           <a:p>
             <a:fld id="{5E75A0DC-66C6-4CEC-A5EB-F8C97CEC3796}" type="datetimeFigureOut">
               <a:rPr lang="es-MX" smtClean="0"/>
-              <a:t>24/07/2020</a:t>
+              <a:t>13/08/2020</a:t>
             </a:fld>
             <a:endParaRPr lang="es-MX" dirty="0"/>
           </a:p>
@@ -4684,7 +4684,7 @@
           <a:p>
             <a:fld id="{5E75A0DC-66C6-4CEC-A5EB-F8C97CEC3796}" type="datetimeFigureOut">
               <a:rPr lang="es-MX" smtClean="0"/>
-              <a:t>24/07/2020</a:t>
+              <a:t>13/08/2020</a:t>
             </a:fld>
             <a:endParaRPr lang="es-MX" dirty="0"/>
           </a:p>
@@ -7461,7 +7461,21 @@
                 <a:latin typeface="Arial" panose="020B0604020202020204" pitchFamily="34" charset="0"/>
                 <a:cs typeface="Arial" panose="020B0604020202020204" pitchFamily="34" charset="0"/>
               </a:rPr>
-              <a:t>("Introduce una cadena de caracteres: "))</a:t>
+              <a:t>("Introduce un </a:t>
+            </a:r>
+            <a:r>
+              <a:rPr lang="es-ES" sz="2400" dirty="0" err="1">
+                <a:latin typeface="Arial" panose="020B0604020202020204" pitchFamily="34" charset="0"/>
+                <a:cs typeface="Arial" panose="020B0604020202020204" pitchFamily="34" charset="0"/>
+              </a:rPr>
+              <a:t>caracter</a:t>
+            </a:r>
+            <a:r>
+              <a:rPr lang="es-ES" sz="2400" dirty="0">
+                <a:latin typeface="Arial" panose="020B0604020202020204" pitchFamily="34" charset="0"/>
+                <a:cs typeface="Arial" panose="020B0604020202020204" pitchFamily="34" charset="0"/>
+              </a:rPr>
+              <a:t>: "))</a:t>
             </a:r>
           </a:p>
           <a:p>
@@ -8471,7 +8485,7 @@
         </p:blipFill>
         <p:spPr>
           <a:xfrm>
-            <a:off x="2628156" y="2996952"/>
+            <a:off x="2699792" y="2996952"/>
             <a:ext cx="3600400" cy="3268174"/>
           </a:xfrm>
           <a:prstGeom prst="rect">
@@ -8642,7 +8656,7 @@
         <p:spPr>
           <a:xfrm>
             <a:off x="1931694" y="2072795"/>
-            <a:ext cx="6598840" cy="2712409"/>
+            <a:ext cx="6598840" cy="2263568"/>
           </a:xfrm>
           <a:prstGeom prst="rect">
             <a:avLst/>
@@ -8691,23 +8705,6 @@
                 </a:schemeClr>
               </a:solidFill>
             </a:endParaRPr>
-          </a:p>
-          <a:p>
-            <a:pPr>
-              <a:lnSpc>
-                <a:spcPts val="3500"/>
-              </a:lnSpc>
-            </a:pPr>
-            <a:r>
-              <a:rPr lang="es-MX" sz="2600" dirty="0">
-                <a:solidFill>
-                  <a:schemeClr val="bg2">
-                    <a:lumMod val="25000"/>
-                  </a:schemeClr>
-                </a:solidFill>
-              </a:rPr>
-              <a:t>PI = 3.141592</a:t>
-            </a:r>
           </a:p>
           <a:p>
             <a:pPr>
@@ -8815,7 +8812,7 @@
         </p:blipFill>
         <p:spPr bwMode="auto">
           <a:xfrm>
-            <a:off x="5976156" y="3424122"/>
+            <a:off x="5976156" y="3204579"/>
             <a:ext cx="2160240" cy="2160240"/>
           </a:xfrm>
           <a:prstGeom prst="rect">
@@ -9391,8 +9388,8 @@
         </p:nvSpPr>
         <p:spPr>
           <a:xfrm>
-            <a:off x="1043608" y="1863778"/>
-            <a:ext cx="6264696" cy="2712409"/>
+            <a:off x="611560" y="620688"/>
+            <a:ext cx="6264696" cy="3112519"/>
           </a:xfrm>
           <a:prstGeom prst="rect">
             <a:avLst/>
@@ -9443,21 +9440,49 @@
             </a:endParaRPr>
           </a:p>
           <a:p>
+            <a:r>
+              <a:rPr lang="es-MX" sz="2600" b="1" dirty="0" err="1">
+                <a:solidFill>
+                  <a:srgbClr val="FF0000"/>
+                </a:solidFill>
+              </a:rPr>
+              <a:t>import</a:t>
+            </a:r>
+            <a:r>
+              <a:rPr lang="es-MX" sz="2600" b="1" dirty="0">
+                <a:solidFill>
+                  <a:srgbClr val="FF0000"/>
+                </a:solidFill>
+              </a:rPr>
+              <a:t> </a:t>
+            </a:r>
+            <a:r>
+              <a:rPr lang="es-MX" sz="2600" b="1" dirty="0" err="1">
+                <a:solidFill>
+                  <a:srgbClr val="FF0000"/>
+                </a:solidFill>
+              </a:rPr>
+              <a:t>math</a:t>
+            </a:r>
+            <a:endParaRPr lang="es-MX" sz="2600" b="1" dirty="0">
+              <a:solidFill>
+                <a:srgbClr val="FF0000"/>
+              </a:solidFill>
+            </a:endParaRPr>
+          </a:p>
+          <a:p>
             <a:pPr>
               <a:lnSpc>
                 <a:spcPts val="3500"/>
               </a:lnSpc>
             </a:pPr>
-            <a:r>
-              <a:rPr lang="es-MX" sz="2600" dirty="0">
-                <a:solidFill>
-                  <a:schemeClr val="bg2">
-                    <a:lumMod val="25000"/>
-                  </a:schemeClr>
-                </a:solidFill>
-              </a:rPr>
-              <a:t>PI = 3.141592</a:t>
-            </a:r>
+            <a:endParaRPr lang="es-ES" sz="2600" dirty="0">
+              <a:solidFill>
+                <a:schemeClr val="bg2">
+                  <a:lumMod val="25000"/>
+                </a:schemeClr>
+              </a:solidFill>
+            </a:endParaRPr>
           </a:p>
           <a:p>
             <a:pPr>
@@ -9520,7 +9545,51 @@
                   </a:schemeClr>
                 </a:solidFill>
               </a:rPr>
-              <a:t> = PI * radio * radio</a:t>
+              <a:t> = </a:t>
+            </a:r>
+            <a:r>
+              <a:rPr lang="es-MX" sz="2600" b="1" dirty="0" err="1">
+                <a:solidFill>
+                  <a:srgbClr val="FF0000"/>
+                </a:solidFill>
+              </a:rPr>
+              <a:t>math.pi</a:t>
+            </a:r>
+            <a:r>
+              <a:rPr lang="es-MX" sz="2600" b="1" dirty="0">
+                <a:solidFill>
+                  <a:srgbClr val="FF0000"/>
+                </a:solidFill>
+              </a:rPr>
+              <a:t> </a:t>
+            </a:r>
+            <a:r>
+              <a:rPr lang="es-MX" sz="2600" dirty="0">
+                <a:solidFill>
+                  <a:schemeClr val="bg2">
+                    <a:lumMod val="25000"/>
+                  </a:schemeClr>
+                </a:solidFill>
+              </a:rPr>
+              <a:t>* </a:t>
+            </a:r>
+            <a:r>
+              <a:rPr lang="es-MX" sz="2600" b="1" dirty="0" err="1">
+                <a:solidFill>
+                  <a:srgbClr val="FF0000"/>
+                </a:solidFill>
+              </a:rPr>
+              <a:t>math.pow</a:t>
+            </a:r>
+            <a:r>
+              <a:rPr lang="es-MX" sz="2600" dirty="0">
+                <a:solidFill>
+                  <a:schemeClr val="bg2">
+                    <a:lumMod val="25000"/>
+                  </a:schemeClr>
+                </a:solidFill>
+              </a:rPr>
+              <a:t>(radio,2)</a:t>
             </a:r>
           </a:p>
           <a:p>
@@ -9605,7 +9674,7 @@
         </p:blipFill>
         <p:spPr bwMode="auto">
           <a:xfrm>
-            <a:off x="7164288" y="2564904"/>
+            <a:off x="7036670" y="1588520"/>
             <a:ext cx="1728192" cy="1728192"/>
           </a:xfrm>
           <a:prstGeom prst="rect">
@@ -9656,7 +9725,7 @@
         </p:nvSpPr>
         <p:spPr bwMode="auto">
           <a:xfrm>
-            <a:off x="2843808" y="260648"/>
+            <a:off x="6372200" y="5733256"/>
             <a:ext cx="3132348" cy="1238150"/>
           </a:xfrm>
           <a:prstGeom prst="rect">
@@ -9723,8 +9792,8 @@
         </p:blipFill>
         <p:spPr>
           <a:xfrm>
-            <a:off x="539552" y="47346"/>
-            <a:ext cx="1728192" cy="1603861"/>
+            <a:off x="7308304" y="4725144"/>
+            <a:ext cx="1531162" cy="1421006"/>
           </a:xfrm>
           <a:prstGeom prst="rect">
             <a:avLst/>
@@ -9753,7 +9822,7 @@
         </p:blipFill>
         <p:spPr>
           <a:xfrm>
-            <a:off x="1547664" y="4941168"/>
+            <a:off x="683568" y="4146745"/>
             <a:ext cx="6353102" cy="1368152"/>
           </a:xfrm>
           <a:prstGeom prst="rect">
@@ -10566,8 +10635,8 @@
         </p:nvSpPr>
         <p:spPr>
           <a:xfrm>
-            <a:off x="755576" y="1714102"/>
-            <a:ext cx="8219031" cy="2712409"/>
+            <a:off x="379828" y="476672"/>
+            <a:ext cx="8712968" cy="2712409"/>
           </a:xfrm>
           <a:prstGeom prst="rect">
             <a:avLst/>
@@ -10772,22 +10841,22 @@
               <a:t>(</a:t>
             </a:r>
             <a:r>
-              <a:rPr lang="es-MX" sz="2600" b="1" dirty="0" err="1">
-                <a:solidFill>
-                  <a:srgbClr val="FF0000"/>
-                </a:solidFill>
-              </a:rPr>
-              <a:t>farenheit</a:t>
-            </a:r>
-            <a:r>
-              <a:rPr lang="es-MX" sz="2600" dirty="0">
+              <a:rPr lang="es-ES" sz="2600" dirty="0">
                 <a:solidFill>
                   <a:schemeClr val="bg2">
                     <a:lumMod val="25000"/>
                   </a:schemeClr>
                 </a:solidFill>
               </a:rPr>
-              <a:t>, </a:t>
+              <a:t>"</a:t>
+            </a:r>
+            <a:r>
+              <a:rPr lang="es-ES" sz="2600" b="1" dirty="0">
+                <a:solidFill>
+                  <a:srgbClr val="0070C0"/>
+                </a:solidFill>
+              </a:rPr>
+              <a:t>%.2f</a:t>
             </a:r>
             <a:r>
               <a:rPr lang="es-ES" sz="2600" dirty="0">
@@ -10797,7 +10866,7 @@
                   </a:schemeClr>
                 </a:solidFill>
               </a:rPr>
-              <a:t>"grados </a:t>
+              <a:t> grados </a:t>
             </a:r>
             <a:r>
               <a:rPr lang="es-ES" sz="2600" dirty="0" err="1">
@@ -10817,15 +10886,17 @@
                   </a:schemeClr>
                 </a:solidFill>
               </a:rPr>
-              <a:t> equivalen a", </a:t>
-            </a:r>
-            <a:r>
-              <a:rPr lang="es-ES" sz="2600" b="1" dirty="0" err="1">
-                <a:solidFill>
-                  <a:srgbClr val="FF0000"/>
-                </a:solidFill>
-              </a:rPr>
-              <a:t>celsius</a:t>
+              <a:t> equivalen a </a:t>
+            </a:r>
+            <a:r>
+              <a:rPr lang="es-ES" sz="2600" b="1" dirty="0">
+                <a:solidFill>
+                  <a:schemeClr val="accent6">
+                    <a:lumMod val="75000"/>
+                  </a:schemeClr>
+                </a:solidFill>
+              </a:rPr>
+              <a:t>%2.f</a:t>
             </a:r>
             <a:r>
               <a:rPr lang="es-ES" sz="2600" dirty="0">
@@ -10835,7 +10906,85 @@
                   </a:schemeClr>
                 </a:solidFill>
               </a:rPr>
-              <a:t>, "grados Celsius")</a:t>
+              <a:t> grados </a:t>
+            </a:r>
+            <a:r>
+              <a:rPr lang="es-ES" sz="2600" dirty="0" err="1">
+                <a:solidFill>
+                  <a:schemeClr val="bg2">
+                    <a:lumMod val="25000"/>
+                  </a:schemeClr>
+                </a:solidFill>
+              </a:rPr>
+              <a:t>celsius</a:t>
+            </a:r>
+            <a:r>
+              <a:rPr lang="es-ES" sz="2600" dirty="0">
+                <a:solidFill>
+                  <a:schemeClr val="bg2">
+                    <a:lumMod val="25000"/>
+                  </a:schemeClr>
+                </a:solidFill>
+              </a:rPr>
+              <a:t>"  </a:t>
+            </a:r>
+            <a:r>
+              <a:rPr lang="es-ES" sz="2600" b="1" dirty="0">
+                <a:solidFill>
+                  <a:schemeClr val="bg2">
+                    <a:lumMod val="25000"/>
+                  </a:schemeClr>
+                </a:solidFill>
+              </a:rPr>
+              <a:t>%</a:t>
+            </a:r>
+            <a:r>
+              <a:rPr lang="es-ES" sz="2600" dirty="0">
+                <a:solidFill>
+                  <a:schemeClr val="bg2">
+                    <a:lumMod val="25000"/>
+                  </a:schemeClr>
+                </a:solidFill>
+              </a:rPr>
+              <a:t> (</a:t>
+            </a:r>
+            <a:r>
+              <a:rPr lang="es-ES" sz="2600" b="1" dirty="0" err="1">
+                <a:solidFill>
+                  <a:srgbClr val="0070C0"/>
+                </a:solidFill>
+              </a:rPr>
+              <a:t>farenheit</a:t>
+            </a:r>
+            <a:r>
+              <a:rPr lang="es-ES" sz="2600" dirty="0">
+                <a:solidFill>
+                  <a:schemeClr val="bg2">
+                    <a:lumMod val="25000"/>
+                  </a:schemeClr>
+                </a:solidFill>
+              </a:rPr>
+              <a:t>, </a:t>
+            </a:r>
+            <a:r>
+              <a:rPr lang="es-ES" sz="2600" b="1" dirty="0" err="1">
+                <a:solidFill>
+                  <a:schemeClr val="accent6">
+                    <a:lumMod val="75000"/>
+                  </a:schemeClr>
+                </a:solidFill>
+              </a:rPr>
+              <a:t>celsius</a:t>
+            </a:r>
+            <a:r>
+              <a:rPr lang="es-ES" sz="2600" dirty="0">
+                <a:solidFill>
+                  <a:schemeClr val="bg2">
+                    <a:lumMod val="25000"/>
+                  </a:schemeClr>
+                </a:solidFill>
+              </a:rPr>
+              <a:t>))</a:t>
             </a:r>
             <a:endParaRPr lang="es-MX" sz="2600" dirty="0">
               <a:solidFill>
@@ -10847,9 +10996,45 @@
           </a:p>
         </p:txBody>
       </p:sp>
-      <p:sp>
-        <p:nvSpPr>
-          <p:cNvPr id="93186" name="Rectangle 2"/>
+      <p:pic>
+        <p:nvPicPr>
+          <p:cNvPr id="7" name="Imagen 6">
+            <a:extLst>
+              <a:ext uri="{FF2B5EF4-FFF2-40B4-BE49-F238E27FC236}">
+                <a16:creationId xmlns:a16="http://schemas.microsoft.com/office/drawing/2014/main" id="{5E0EC075-A3A4-4FC5-B5CD-B9E85888DD60}"/>
+              </a:ext>
+            </a:extLst>
+          </p:cNvPr>
+          <p:cNvPicPr>
+            <a:picLocks noChangeAspect="1"/>
+          </p:cNvPicPr>
+          <p:nvPr/>
+        </p:nvPicPr>
+        <p:blipFill>
+          <a:blip r:embed="rId3"/>
+          <a:stretch>
+            <a:fillRect/>
+          </a:stretch>
+        </p:blipFill>
+        <p:spPr>
+          <a:xfrm>
+            <a:off x="379828" y="3501008"/>
+            <a:ext cx="8384344" cy="1814425"/>
+          </a:xfrm>
+          <a:prstGeom prst="rect">
+            <a:avLst/>
+          </a:prstGeom>
+        </p:spPr>
+      </p:pic>
+      <p:sp>
+        <p:nvSpPr>
+          <p:cNvPr id="9" name="Rectangle 2">
+            <a:extLst>
+              <a:ext uri="{FF2B5EF4-FFF2-40B4-BE49-F238E27FC236}">
+                <a16:creationId xmlns:a16="http://schemas.microsoft.com/office/drawing/2014/main" id="{81907093-C21E-4093-B0B6-D4AADFBF0980}"/>
+              </a:ext>
+            </a:extLst>
+          </p:cNvPr>
           <p:cNvSpPr>
             <a:spLocks noChangeArrowheads="1"/>
           </p:cNvSpPr>
@@ -10857,7 +11042,7 @@
         </p:nvSpPr>
         <p:spPr bwMode="auto">
           <a:xfrm>
-            <a:off x="2843808" y="260648"/>
+            <a:off x="6181231" y="5777409"/>
             <a:ext cx="3132348" cy="1238150"/>
           </a:xfrm>
           <a:prstGeom prst="rect">
@@ -10878,7 +11063,7 @@
           <a:p>
             <a:pPr algn="ctr" eaLnBrk="0" hangingPunct="0"/>
             <a:r>
-              <a:rPr lang="es-ES_tradnl" sz="4400" b="1" dirty="0">
+              <a:rPr lang="es-ES_tradnl" sz="3200" b="1" dirty="0">
                 <a:solidFill>
                   <a:schemeClr val="accent6">
                     <a:lumMod val="75000"/>
@@ -10893,15 +11078,28 @@
               </a:rPr>
               <a:t>Solución</a:t>
             </a:r>
+            <a:endParaRPr lang="es-ES_tradnl" sz="3200" b="1" dirty="0">
+              <a:solidFill>
+                <a:schemeClr val="accent3">
+                  <a:lumMod val="75000"/>
+                </a:schemeClr>
+              </a:solidFill>
+              <a:effectLst>
+                <a:outerShdw blurRad="38100" dist="38100" dir="2700000" algn="tl">
+                  <a:srgbClr val="C0C0C0"/>
+                </a:outerShdw>
+              </a:effectLst>
+              <a:latin typeface="Dom Casual" charset="0"/>
+            </a:endParaRPr>
           </a:p>
         </p:txBody>
       </p:sp>
       <p:pic>
         <p:nvPicPr>
-          <p:cNvPr id="6" name="1 Imagen">
+          <p:cNvPr id="10" name="1 Imagen">
             <a:extLst>
               <a:ext uri="{FF2B5EF4-FFF2-40B4-BE49-F238E27FC236}">
-                <a16:creationId xmlns:a16="http://schemas.microsoft.com/office/drawing/2014/main" id="{E9BAA395-C23D-4FD2-99BF-C79611F37B35}"/>
+                <a16:creationId xmlns:a16="http://schemas.microsoft.com/office/drawing/2014/main" id="{9D188EAE-D2D2-4A31-BB8F-F92697C3D0BA}"/>
               </a:ext>
             </a:extLst>
           </p:cNvPr>
@@ -10911,7 +11109,7 @@
           <p:nvPr/>
         </p:nvPicPr>
         <p:blipFill>
-          <a:blip r:embed="rId3">
+          <a:blip r:embed="rId4">
             <a:extLst>
               <a:ext uri="{28A0092B-C50C-407E-A947-70E740481C1C}">
                 <a14:useLocalDpi xmlns:a14="http://schemas.microsoft.com/office/drawing/2010/main" val="0"/>
@@ -10924,49 +11122,12 @@
         </p:blipFill>
         <p:spPr>
           <a:xfrm>
-            <a:off x="7246415" y="77792"/>
-            <a:ext cx="1728192" cy="1603861"/>
+            <a:off x="7236296" y="5201134"/>
+            <a:ext cx="1022218" cy="948677"/>
           </a:xfrm>
           <a:prstGeom prst="rect">
             <a:avLst/>
           </a:prstGeom>
-        </p:spPr>
-      </p:pic>
-      <p:pic>
-        <p:nvPicPr>
-          <p:cNvPr id="4" name="Imagen 3">
-            <a:extLst>
-              <a:ext uri="{FF2B5EF4-FFF2-40B4-BE49-F238E27FC236}">
-                <a16:creationId xmlns:a16="http://schemas.microsoft.com/office/drawing/2014/main" id="{91058215-4072-444E-80FD-AC19B1DB6235}"/>
-              </a:ext>
-            </a:extLst>
-          </p:cNvPr>
-          <p:cNvPicPr>
-            <a:picLocks noChangeAspect="1"/>
-          </p:cNvPicPr>
-          <p:nvPr/>
-        </p:nvPicPr>
-        <p:blipFill>
-          <a:blip r:embed="rId4"/>
-          <a:stretch>
-            <a:fillRect/>
-          </a:stretch>
-        </p:blipFill>
-        <p:spPr>
-          <a:xfrm>
-            <a:off x="290512" y="4941168"/>
-            <a:ext cx="8562975" cy="962025"/>
-          </a:xfrm>
-          <a:prstGeom prst="rect">
-            <a:avLst/>
-          </a:prstGeom>
-          <a:effectLst>
-            <a:outerShdw blurRad="63500" sx="102000" sy="102000" algn="ctr" rotWithShape="0">
-              <a:prstClr val="black">
-                <a:alpha val="40000"/>
-              </a:prstClr>
-            </a:outerShdw>
-          </a:effectLst>
         </p:spPr>
       </p:pic>
     </p:spTree>

--- a/CalendarioAgo20L/presentaciones/3_Componentes.pptx
+++ b/CalendarioAgo20L/presentaciones/3_Componentes.pptx
@@ -5,7 +5,7 @@
     <p:sldMasterId id="2147483648" r:id="rId1"/>
   </p:sldMasterIdLst>
   <p:notesMasterIdLst>
-    <p:notesMasterId r:id="rId27"/>
+    <p:notesMasterId r:id="rId26"/>
   </p:notesMasterIdLst>
   <p:sldIdLst>
     <p:sldId id="257" r:id="rId2"/>
@@ -31,8 +31,7 @@
     <p:sldId id="280" r:id="rId22"/>
     <p:sldId id="355" r:id="rId23"/>
     <p:sldId id="356" r:id="rId24"/>
-    <p:sldId id="357" r:id="rId25"/>
-    <p:sldId id="282" r:id="rId26"/>
+    <p:sldId id="282" r:id="rId25"/>
   </p:sldIdLst>
   <p:sldSz cx="9144000" cy="6858000" type="screen4x3"/>
   <p:notesSz cx="6858000" cy="9144000"/>
@@ -232,7 +231,7 @@
           <a:p>
             <a:fld id="{2D445F07-8756-451B-A938-0248325FC7BB}" type="datetimeFigureOut">
               <a:rPr lang="es-MX" smtClean="0"/>
-              <a:t>13/08/2020</a:t>
+              <a:t>16/08/2020</a:t>
             </a:fld>
             <a:endParaRPr lang="es-MX" dirty="0"/>
           </a:p>
@@ -1172,90 +1171,6 @@
 </p:notes>
 </file>
 
-<file path=ppt/notesSlides/notesSlide17.xml><?xml version="1.0" encoding="utf-8"?>
-<p:notes xmlns:a="http://schemas.openxmlformats.org/drawingml/2006/main" xmlns:r="http://schemas.openxmlformats.org/officeDocument/2006/relationships" xmlns:p="http://schemas.openxmlformats.org/presentationml/2006/main">
-  <p:cSld>
-    <p:spTree>
-      <p:nvGrpSpPr>
-        <p:cNvPr id="1" name=""/>
-        <p:cNvGrpSpPr/>
-        <p:nvPr/>
-      </p:nvGrpSpPr>
-      <p:grpSpPr>
-        <a:xfrm>
-          <a:off x="0" y="0"/>
-          <a:ext cx="0" cy="0"/>
-          <a:chOff x="0" y="0"/>
-          <a:chExt cx="0" cy="0"/>
-        </a:xfrm>
-      </p:grpSpPr>
-      <p:sp>
-        <p:nvSpPr>
-          <p:cNvPr id="2" name="1 Marcador de imagen de diapositiva"/>
-          <p:cNvSpPr>
-            <a:spLocks noGrp="1" noRot="1" noChangeAspect="1"/>
-          </p:cNvSpPr>
-          <p:nvPr>
-            <p:ph type="sldImg"/>
-          </p:nvPr>
-        </p:nvSpPr>
-        <p:spPr/>
-      </p:sp>
-      <p:sp>
-        <p:nvSpPr>
-          <p:cNvPr id="3" name="2 Marcador de notas"/>
-          <p:cNvSpPr>
-            <a:spLocks noGrp="1"/>
-          </p:cNvSpPr>
-          <p:nvPr>
-            <p:ph type="body" idx="1"/>
-          </p:nvPr>
-        </p:nvSpPr>
-        <p:spPr/>
-        <p:txBody>
-          <a:bodyPr/>
-          <a:lstStyle/>
-          <a:p>
-            <a:endParaRPr lang="es-MX" dirty="0"/>
-          </a:p>
-        </p:txBody>
-      </p:sp>
-      <p:sp>
-        <p:nvSpPr>
-          <p:cNvPr id="4" name="3 Marcador de número de diapositiva"/>
-          <p:cNvSpPr>
-            <a:spLocks noGrp="1"/>
-          </p:cNvSpPr>
-          <p:nvPr>
-            <p:ph type="sldNum" sz="quarter" idx="10"/>
-          </p:nvPr>
-        </p:nvSpPr>
-        <p:spPr/>
-        <p:txBody>
-          <a:bodyPr/>
-          <a:lstStyle/>
-          <a:p>
-            <a:fld id="{FFE74245-C697-475F-B366-D66ADD0BA1E1}" type="slidenum">
-              <a:rPr lang="es-MX" smtClean="0"/>
-              <a:t>24</a:t>
-            </a:fld>
-            <a:endParaRPr lang="es-MX"/>
-          </a:p>
-        </p:txBody>
-      </p:sp>
-    </p:spTree>
-    <p:extLst>
-      <p:ext uri="{BB962C8B-B14F-4D97-AF65-F5344CB8AC3E}">
-        <p14:creationId xmlns:p14="http://schemas.microsoft.com/office/powerpoint/2010/main" val="2682861029"/>
-      </p:ext>
-    </p:extLst>
-  </p:cSld>
-  <p:clrMapOvr>
-    <a:masterClrMapping/>
-  </p:clrMapOvr>
-</p:notes>
-</file>
-
 <file path=ppt/notesSlides/notesSlide2.xml><?xml version="1.0" encoding="utf-8"?>
 <p:notes xmlns:a="http://schemas.openxmlformats.org/drawingml/2006/main" xmlns:r="http://schemas.openxmlformats.org/officeDocument/2006/relationships" xmlns:p="http://schemas.openxmlformats.org/presentationml/2006/main">
   <p:cSld>
@@ -2109,7 +2024,7 @@
           <a:p>
             <a:fld id="{5E75A0DC-66C6-4CEC-A5EB-F8C97CEC3796}" type="datetimeFigureOut">
               <a:rPr lang="es-MX" smtClean="0"/>
-              <a:t>13/08/2020</a:t>
+              <a:t>16/08/2020</a:t>
             </a:fld>
             <a:endParaRPr lang="es-MX" dirty="0"/>
           </a:p>
@@ -2279,7 +2194,7 @@
           <a:p>
             <a:fld id="{5E75A0DC-66C6-4CEC-A5EB-F8C97CEC3796}" type="datetimeFigureOut">
               <a:rPr lang="es-MX" smtClean="0"/>
-              <a:t>13/08/2020</a:t>
+              <a:t>16/08/2020</a:t>
             </a:fld>
             <a:endParaRPr lang="es-MX" dirty="0"/>
           </a:p>
@@ -2459,7 +2374,7 @@
           <a:p>
             <a:fld id="{5E75A0DC-66C6-4CEC-A5EB-F8C97CEC3796}" type="datetimeFigureOut">
               <a:rPr lang="es-MX" smtClean="0"/>
-              <a:t>13/08/2020</a:t>
+              <a:t>16/08/2020</a:t>
             </a:fld>
             <a:endParaRPr lang="es-MX" dirty="0"/>
           </a:p>
@@ -2612,7 +2527,7 @@
           <a:p>
             <a:fld id="{1D8BD707-D9CF-40AE-B4C6-C98DA3205C09}" type="datetimeFigureOut">
               <a:rPr lang="en-US" smtClean="0"/>
-              <a:t>8/13/2020</a:t>
+              <a:t>8/16/2020</a:t>
             </a:fld>
             <a:endParaRPr lang="en-US"/>
           </a:p>
@@ -2772,7 +2687,7 @@
           <a:p>
             <a:fld id="{5E75A0DC-66C6-4CEC-A5EB-F8C97CEC3796}" type="datetimeFigureOut">
               <a:rPr lang="es-MX" smtClean="0"/>
-              <a:t>13/08/2020</a:t>
+              <a:t>16/08/2020</a:t>
             </a:fld>
             <a:endParaRPr lang="es-MX" dirty="0"/>
           </a:p>
@@ -3018,7 +2933,7 @@
           <a:p>
             <a:fld id="{5E75A0DC-66C6-4CEC-A5EB-F8C97CEC3796}" type="datetimeFigureOut">
               <a:rPr lang="es-MX" smtClean="0"/>
-              <a:t>13/08/2020</a:t>
+              <a:t>16/08/2020</a:t>
             </a:fld>
             <a:endParaRPr lang="es-MX" dirty="0"/>
           </a:p>
@@ -3306,7 +3221,7 @@
           <a:p>
             <a:fld id="{5E75A0DC-66C6-4CEC-A5EB-F8C97CEC3796}" type="datetimeFigureOut">
               <a:rPr lang="es-MX" smtClean="0"/>
-              <a:t>13/08/2020</a:t>
+              <a:t>16/08/2020</a:t>
             </a:fld>
             <a:endParaRPr lang="es-MX" dirty="0"/>
           </a:p>
@@ -3728,7 +3643,7 @@
           <a:p>
             <a:fld id="{5E75A0DC-66C6-4CEC-A5EB-F8C97CEC3796}" type="datetimeFigureOut">
               <a:rPr lang="es-MX" smtClean="0"/>
-              <a:t>13/08/2020</a:t>
+              <a:t>16/08/2020</a:t>
             </a:fld>
             <a:endParaRPr lang="es-MX" dirty="0"/>
           </a:p>
@@ -3846,7 +3761,7 @@
           <a:p>
             <a:fld id="{5E75A0DC-66C6-4CEC-A5EB-F8C97CEC3796}" type="datetimeFigureOut">
               <a:rPr lang="es-MX" smtClean="0"/>
-              <a:t>13/08/2020</a:t>
+              <a:t>16/08/2020</a:t>
             </a:fld>
             <a:endParaRPr lang="es-MX" dirty="0"/>
           </a:p>
@@ -3941,7 +3856,7 @@
           <a:p>
             <a:fld id="{5E75A0DC-66C6-4CEC-A5EB-F8C97CEC3796}" type="datetimeFigureOut">
               <a:rPr lang="es-MX" smtClean="0"/>
-              <a:t>13/08/2020</a:t>
+              <a:t>16/08/2020</a:t>
             </a:fld>
             <a:endParaRPr lang="es-MX" dirty="0"/>
           </a:p>
@@ -4218,7 +4133,7 @@
           <a:p>
             <a:fld id="{5E75A0DC-66C6-4CEC-A5EB-F8C97CEC3796}" type="datetimeFigureOut">
               <a:rPr lang="es-MX" smtClean="0"/>
-              <a:t>13/08/2020</a:t>
+              <a:t>16/08/2020</a:t>
             </a:fld>
             <a:endParaRPr lang="es-MX" dirty="0"/>
           </a:p>
@@ -4471,7 +4386,7 @@
           <a:p>
             <a:fld id="{5E75A0DC-66C6-4CEC-A5EB-F8C97CEC3796}" type="datetimeFigureOut">
               <a:rPr lang="es-MX" smtClean="0"/>
-              <a:t>13/08/2020</a:t>
+              <a:t>16/08/2020</a:t>
             </a:fld>
             <a:endParaRPr lang="es-MX" dirty="0"/>
           </a:p>
@@ -4684,7 +4599,7 @@
           <a:p>
             <a:fld id="{5E75A0DC-66C6-4CEC-A5EB-F8C97CEC3796}" type="datetimeFigureOut">
               <a:rPr lang="es-MX" smtClean="0"/>
-              <a:t>13/08/2020</a:t>
+              <a:t>16/08/2020</a:t>
             </a:fld>
             <a:endParaRPr lang="es-MX" dirty="0"/>
           </a:p>
@@ -10996,36 +10911,6 @@
           </a:p>
         </p:txBody>
       </p:sp>
-      <p:pic>
-        <p:nvPicPr>
-          <p:cNvPr id="7" name="Imagen 6">
-            <a:extLst>
-              <a:ext uri="{FF2B5EF4-FFF2-40B4-BE49-F238E27FC236}">
-                <a16:creationId xmlns:a16="http://schemas.microsoft.com/office/drawing/2014/main" id="{5E0EC075-A3A4-4FC5-B5CD-B9E85888DD60}"/>
-              </a:ext>
-            </a:extLst>
-          </p:cNvPr>
-          <p:cNvPicPr>
-            <a:picLocks noChangeAspect="1"/>
-          </p:cNvPicPr>
-          <p:nvPr/>
-        </p:nvPicPr>
-        <p:blipFill>
-          <a:blip r:embed="rId3"/>
-          <a:stretch>
-            <a:fillRect/>
-          </a:stretch>
-        </p:blipFill>
-        <p:spPr>
-          <a:xfrm>
-            <a:off x="379828" y="3501008"/>
-            <a:ext cx="8384344" cy="1814425"/>
-          </a:xfrm>
-          <a:prstGeom prst="rect">
-            <a:avLst/>
-          </a:prstGeom>
-        </p:spPr>
-      </p:pic>
       <p:sp>
         <p:nvSpPr>
           <p:cNvPr id="9" name="Rectangle 2">
@@ -11109,7 +10994,7 @@
           <p:nvPr/>
         </p:nvPicPr>
         <p:blipFill>
-          <a:blip r:embed="rId4">
+          <a:blip r:embed="rId3">
             <a:extLst>
               <a:ext uri="{28A0092B-C50C-407E-A947-70E740481C1C}">
                 <a14:useLocalDpi xmlns:a14="http://schemas.microsoft.com/office/drawing/2010/main" val="0"/>
@@ -11124,6 +11009,36 @@
           <a:xfrm>
             <a:off x="7236296" y="5201134"/>
             <a:ext cx="1022218" cy="948677"/>
+          </a:xfrm>
+          <a:prstGeom prst="rect">
+            <a:avLst/>
+          </a:prstGeom>
+        </p:spPr>
+      </p:pic>
+      <p:pic>
+        <p:nvPicPr>
+          <p:cNvPr id="3" name="Imagen 2">
+            <a:extLst>
+              <a:ext uri="{FF2B5EF4-FFF2-40B4-BE49-F238E27FC236}">
+                <a16:creationId xmlns:a16="http://schemas.microsoft.com/office/drawing/2014/main" id="{F78B8136-9E9F-46AB-8091-43225A5E04FA}"/>
+              </a:ext>
+            </a:extLst>
+          </p:cNvPr>
+          <p:cNvPicPr>
+            <a:picLocks noChangeAspect="1"/>
+          </p:cNvPicPr>
+          <p:nvPr/>
+        </p:nvPicPr>
+        <p:blipFill>
+          <a:blip r:embed="rId4"/>
+          <a:stretch>
+            <a:fillRect/>
+          </a:stretch>
+        </p:blipFill>
+        <p:spPr>
+          <a:xfrm>
+            <a:off x="477725" y="3472496"/>
+            <a:ext cx="8188549" cy="1731072"/>
           </a:xfrm>
           <a:prstGeom prst="rect">
             <a:avLst/>
@@ -11162,481 +11077,6 @@
       </p:grpSpPr>
       <p:sp>
         <p:nvSpPr>
-          <p:cNvPr id="2" name="1 CuadroTexto"/>
-          <p:cNvSpPr txBox="1"/>
-          <p:nvPr/>
-        </p:nvSpPr>
-        <p:spPr>
-          <a:xfrm>
-            <a:off x="337534" y="1797585"/>
-            <a:ext cx="8640960" cy="2712409"/>
-          </a:xfrm>
-          <a:prstGeom prst="rect">
-            <a:avLst/>
-          </a:prstGeom>
-          <a:solidFill>
-            <a:schemeClr val="bg1"/>
-          </a:solidFill>
-        </p:spPr>
-        <p:txBody>
-          <a:bodyPr wrap="square" rtlCol="0">
-            <a:spAutoFit/>
-          </a:bodyPr>
-          <a:lstStyle/>
-          <a:p>
-            <a:pPr>
-              <a:lnSpc>
-                <a:spcPts val="3500"/>
-              </a:lnSpc>
-            </a:pPr>
-            <a:r>
-              <a:rPr lang="es-MX" sz="2600" b="1" dirty="0">
-                <a:solidFill>
-                  <a:schemeClr val="bg2">
-                    <a:lumMod val="25000"/>
-                  </a:schemeClr>
-                </a:solidFill>
-              </a:rPr>
-              <a:t>Programa: </a:t>
-            </a:r>
-            <a:r>
-              <a:rPr lang="es-MX" sz="2600" dirty="0">
-                <a:solidFill>
-                  <a:schemeClr val="bg2">
-                    <a:lumMod val="25000"/>
-                  </a:schemeClr>
-                </a:solidFill>
-              </a:rPr>
-              <a:t>Conversión de grados </a:t>
-            </a:r>
-            <a:r>
-              <a:rPr lang="es-MX" sz="2600" dirty="0" err="1">
-                <a:solidFill>
-                  <a:schemeClr val="bg2">
-                    <a:lumMod val="25000"/>
-                  </a:schemeClr>
-                </a:solidFill>
-              </a:rPr>
-              <a:t>Farenheit</a:t>
-            </a:r>
-            <a:r>
-              <a:rPr lang="es-MX" sz="2600" dirty="0">
-                <a:solidFill>
-                  <a:schemeClr val="bg2">
-                    <a:lumMod val="25000"/>
-                  </a:schemeClr>
-                </a:solidFill>
-              </a:rPr>
-              <a:t> a Celsius</a:t>
-            </a:r>
-          </a:p>
-          <a:p>
-            <a:endParaRPr lang="es-MX" sz="2600" b="1" dirty="0">
-              <a:solidFill>
-                <a:schemeClr val="bg2">
-                  <a:lumMod val="25000"/>
-                </a:schemeClr>
-              </a:solidFill>
-            </a:endParaRPr>
-          </a:p>
-          <a:p>
-            <a:pPr>
-              <a:lnSpc>
-                <a:spcPts val="3500"/>
-              </a:lnSpc>
-            </a:pPr>
-            <a:r>
-              <a:rPr lang="es-ES" sz="2600" b="1" dirty="0" err="1">
-                <a:solidFill>
-                  <a:srgbClr val="FF0000"/>
-                </a:solidFill>
-              </a:rPr>
-              <a:t>farenheit</a:t>
-            </a:r>
-            <a:r>
-              <a:rPr lang="es-ES" sz="2600" dirty="0">
-                <a:solidFill>
-                  <a:schemeClr val="bg2">
-                    <a:lumMod val="25000"/>
-                  </a:schemeClr>
-                </a:solidFill>
-              </a:rPr>
-              <a:t> = </a:t>
-            </a:r>
-            <a:r>
-              <a:rPr lang="es-ES" sz="2600" dirty="0" err="1">
-                <a:solidFill>
-                  <a:schemeClr val="bg2">
-                    <a:lumMod val="25000"/>
-                  </a:schemeClr>
-                </a:solidFill>
-              </a:rPr>
-              <a:t>float</a:t>
-            </a:r>
-            <a:r>
-              <a:rPr lang="es-ES" sz="2600" dirty="0">
-                <a:solidFill>
-                  <a:schemeClr val="bg2">
-                    <a:lumMod val="25000"/>
-                  </a:schemeClr>
-                </a:solidFill>
-              </a:rPr>
-              <a:t>(input("Introduce los grados </a:t>
-            </a:r>
-            <a:r>
-              <a:rPr lang="es-ES" sz="2600" dirty="0" err="1">
-                <a:solidFill>
-                  <a:schemeClr val="bg2">
-                    <a:lumMod val="25000"/>
-                  </a:schemeClr>
-                </a:solidFill>
-              </a:rPr>
-              <a:t>farenheit</a:t>
-            </a:r>
-            <a:r>
-              <a:rPr lang="es-ES" sz="2600" dirty="0">
-                <a:solidFill>
-                  <a:schemeClr val="bg2">
-                    <a:lumMod val="25000"/>
-                  </a:schemeClr>
-                </a:solidFill>
-              </a:rPr>
-              <a:t>: "))</a:t>
-            </a:r>
-          </a:p>
-          <a:p>
-            <a:pPr>
-              <a:lnSpc>
-                <a:spcPts val="3500"/>
-              </a:lnSpc>
-            </a:pPr>
-            <a:r>
-              <a:rPr lang="sv-SE" sz="2600" b="1" dirty="0">
-                <a:solidFill>
-                  <a:srgbClr val="FF0000"/>
-                </a:solidFill>
-              </a:rPr>
-              <a:t>celsius</a:t>
-            </a:r>
-            <a:r>
-              <a:rPr lang="sv-SE" sz="2600" dirty="0">
-                <a:solidFill>
-                  <a:schemeClr val="bg2">
-                    <a:lumMod val="25000"/>
-                  </a:schemeClr>
-                </a:solidFill>
-              </a:rPr>
-              <a:t> = 5 / 9 * ( </a:t>
-            </a:r>
-            <a:r>
-              <a:rPr lang="sv-SE" sz="2600" b="1" dirty="0">
-                <a:solidFill>
-                  <a:srgbClr val="FF0000"/>
-                </a:solidFill>
-              </a:rPr>
-              <a:t>farenheit</a:t>
-            </a:r>
-            <a:r>
-              <a:rPr lang="sv-SE" sz="2600" dirty="0">
-                <a:solidFill>
-                  <a:schemeClr val="bg2">
-                    <a:lumMod val="25000"/>
-                  </a:schemeClr>
-                </a:solidFill>
-              </a:rPr>
-              <a:t> - 32)</a:t>
-            </a:r>
-          </a:p>
-          <a:p>
-            <a:pPr>
-              <a:lnSpc>
-                <a:spcPts val="3500"/>
-              </a:lnSpc>
-            </a:pPr>
-            <a:r>
-              <a:rPr lang="es-MX" sz="2600" dirty="0" err="1">
-                <a:solidFill>
-                  <a:schemeClr val="bg2">
-                    <a:lumMod val="25000"/>
-                  </a:schemeClr>
-                </a:solidFill>
-              </a:rPr>
-              <a:t>print</a:t>
-            </a:r>
-            <a:r>
-              <a:rPr lang="es-MX" sz="2600" dirty="0">
-                <a:solidFill>
-                  <a:schemeClr val="bg2">
-                    <a:lumMod val="25000"/>
-                  </a:schemeClr>
-                </a:solidFill>
-              </a:rPr>
-              <a:t>(</a:t>
-            </a:r>
-            <a:r>
-              <a:rPr lang="es-MX" sz="2600" b="1" dirty="0" err="1">
-                <a:solidFill>
-                  <a:srgbClr val="FF0000"/>
-                </a:solidFill>
-              </a:rPr>
-              <a:t>farenheit</a:t>
-            </a:r>
-            <a:r>
-              <a:rPr lang="es-MX" sz="2600" dirty="0">
-                <a:solidFill>
-                  <a:schemeClr val="bg2">
-                    <a:lumMod val="25000"/>
-                  </a:schemeClr>
-                </a:solidFill>
-              </a:rPr>
-              <a:t>, </a:t>
-            </a:r>
-            <a:r>
-              <a:rPr lang="es-ES" sz="2600" dirty="0">
-                <a:solidFill>
-                  <a:schemeClr val="bg2">
-                    <a:lumMod val="25000"/>
-                  </a:schemeClr>
-                </a:solidFill>
-              </a:rPr>
-              <a:t>"grados </a:t>
-            </a:r>
-            <a:r>
-              <a:rPr lang="es-ES" sz="2600" dirty="0" err="1">
-                <a:solidFill>
-                  <a:schemeClr val="bg2">
-                    <a:lumMod val="25000"/>
-                  </a:schemeClr>
-                </a:solidFill>
-              </a:rPr>
-              <a:t>farenheit</a:t>
-            </a:r>
-            <a:r>
-              <a:rPr lang="es-ES" sz="2600" dirty="0">
-                <a:solidFill>
-                  <a:schemeClr val="bg2">
-                    <a:lumMod val="25000"/>
-                  </a:schemeClr>
-                </a:solidFill>
-              </a:rPr>
-              <a:t> equivalen a </a:t>
-            </a:r>
-            <a:r>
-              <a:rPr lang="es-ES" sz="2600" b="1" dirty="0">
-                <a:solidFill>
-                  <a:srgbClr val="0070C0"/>
-                </a:solidFill>
-              </a:rPr>
-              <a:t>%.2f </a:t>
-            </a:r>
-            <a:r>
-              <a:rPr lang="es-ES" sz="2600" dirty="0">
-                <a:solidFill>
-                  <a:schemeClr val="bg2">
-                    <a:lumMod val="25000"/>
-                  </a:schemeClr>
-                </a:solidFill>
-              </a:rPr>
-              <a:t>" % </a:t>
-            </a:r>
-            <a:r>
-              <a:rPr lang="es-ES" sz="2600" b="1" dirty="0" err="1">
-                <a:solidFill>
-                  <a:srgbClr val="0070C0"/>
-                </a:solidFill>
-              </a:rPr>
-              <a:t>celsius</a:t>
-            </a:r>
-            <a:r>
-              <a:rPr lang="es-ES" sz="2600" dirty="0">
-                <a:solidFill>
-                  <a:schemeClr val="bg2">
-                    <a:lumMod val="25000"/>
-                  </a:schemeClr>
-                </a:solidFill>
-              </a:rPr>
-              <a:t>, "grados Celsius")</a:t>
-            </a:r>
-            <a:endParaRPr lang="es-MX" sz="2600" dirty="0">
-              <a:solidFill>
-                <a:schemeClr val="bg2">
-                  <a:lumMod val="25000"/>
-                </a:schemeClr>
-              </a:solidFill>
-            </a:endParaRPr>
-          </a:p>
-        </p:txBody>
-      </p:sp>
-      <p:sp>
-        <p:nvSpPr>
-          <p:cNvPr id="93186" name="Rectangle 2"/>
-          <p:cNvSpPr>
-            <a:spLocks noChangeArrowheads="1"/>
-          </p:cNvSpPr>
-          <p:nvPr/>
-        </p:nvSpPr>
-        <p:spPr bwMode="auto">
-          <a:xfrm>
-            <a:off x="2843808" y="260648"/>
-            <a:ext cx="3132348" cy="1238150"/>
-          </a:xfrm>
-          <a:prstGeom prst="rect">
-            <a:avLst/>
-          </a:prstGeom>
-          <a:noFill/>
-          <a:ln w="9525">
-            <a:noFill/>
-            <a:miter lim="800000"/>
-            <a:headEnd/>
-            <a:tailEnd/>
-          </a:ln>
-          <a:effectLst/>
-        </p:spPr>
-        <p:txBody>
-          <a:bodyPr lIns="92075" tIns="46038" rIns="92075" bIns="46038" anchor="ctr"/>
-          <a:lstStyle/>
-          <a:p>
-            <a:pPr algn="ctr" eaLnBrk="0" hangingPunct="0"/>
-            <a:r>
-              <a:rPr lang="es-ES_tradnl" sz="4400" b="1" dirty="0">
-                <a:solidFill>
-                  <a:schemeClr val="accent6">
-                    <a:lumMod val="75000"/>
-                  </a:schemeClr>
-                </a:solidFill>
-                <a:effectLst>
-                  <a:outerShdw blurRad="38100" dist="38100" dir="2700000" algn="tl">
-                    <a:srgbClr val="C0C0C0"/>
-                  </a:outerShdw>
-                </a:effectLst>
-                <a:latin typeface="Dom Casual" charset="0"/>
-              </a:rPr>
-              <a:t>Solución 2</a:t>
-            </a:r>
-            <a:r>
-              <a:rPr lang="es-ES_tradnl" sz="2800" b="1" dirty="0">
-                <a:solidFill>
-                  <a:schemeClr val="accent3">
-                    <a:lumMod val="75000"/>
-                  </a:schemeClr>
-                </a:solidFill>
-                <a:effectLst>
-                  <a:outerShdw blurRad="38100" dist="38100" dir="2700000" algn="tl">
-                    <a:srgbClr val="C0C0C0"/>
-                  </a:outerShdw>
-                </a:effectLst>
-                <a:latin typeface="Dom Casual" charset="0"/>
-              </a:rPr>
-              <a:t> </a:t>
-            </a:r>
-          </a:p>
-        </p:txBody>
-      </p:sp>
-      <p:pic>
-        <p:nvPicPr>
-          <p:cNvPr id="6" name="1 Imagen">
-            <a:extLst>
-              <a:ext uri="{FF2B5EF4-FFF2-40B4-BE49-F238E27FC236}">
-                <a16:creationId xmlns:a16="http://schemas.microsoft.com/office/drawing/2014/main" id="{E9BAA395-C23D-4FD2-99BF-C79611F37B35}"/>
-              </a:ext>
-            </a:extLst>
-          </p:cNvPr>
-          <p:cNvPicPr>
-            <a:picLocks noChangeAspect="1"/>
-          </p:cNvPicPr>
-          <p:nvPr/>
-        </p:nvPicPr>
-        <p:blipFill>
-          <a:blip r:embed="rId3">
-            <a:extLst>
-              <a:ext uri="{28A0092B-C50C-407E-A947-70E740481C1C}">
-                <a14:useLocalDpi xmlns:a14="http://schemas.microsoft.com/office/drawing/2010/main" val="0"/>
-              </a:ext>
-            </a:extLst>
-          </a:blip>
-          <a:stretch>
-            <a:fillRect/>
-          </a:stretch>
-        </p:blipFill>
-        <p:spPr>
-          <a:xfrm>
-            <a:off x="7246415" y="77792"/>
-            <a:ext cx="1728192" cy="1603861"/>
-          </a:xfrm>
-          <a:prstGeom prst="rect">
-            <a:avLst/>
-          </a:prstGeom>
-        </p:spPr>
-      </p:pic>
-      <p:pic>
-        <p:nvPicPr>
-          <p:cNvPr id="3" name="Imagen 2">
-            <a:extLst>
-              <a:ext uri="{FF2B5EF4-FFF2-40B4-BE49-F238E27FC236}">
-                <a16:creationId xmlns:a16="http://schemas.microsoft.com/office/drawing/2014/main" id="{74555311-3D2F-4D10-8CA2-57F7703BE385}"/>
-              </a:ext>
-            </a:extLst>
-          </p:cNvPr>
-          <p:cNvPicPr>
-            <a:picLocks noChangeAspect="1"/>
-          </p:cNvPicPr>
-          <p:nvPr/>
-        </p:nvPicPr>
-        <p:blipFill>
-          <a:blip r:embed="rId4"/>
-          <a:stretch>
-            <a:fillRect/>
-          </a:stretch>
-        </p:blipFill>
-        <p:spPr>
-          <a:xfrm>
-            <a:off x="539552" y="4808781"/>
-            <a:ext cx="8064896" cy="1008112"/>
-          </a:xfrm>
-          <a:prstGeom prst="rect">
-            <a:avLst/>
-          </a:prstGeom>
-          <a:effectLst>
-            <a:outerShdw blurRad="63500" sx="102000" sy="102000" algn="ctr" rotWithShape="0">
-              <a:prstClr val="black">
-                <a:alpha val="40000"/>
-              </a:prstClr>
-            </a:outerShdw>
-          </a:effectLst>
-        </p:spPr>
-      </p:pic>
-    </p:spTree>
-    <p:extLst>
-      <p:ext uri="{BB962C8B-B14F-4D97-AF65-F5344CB8AC3E}">
-        <p14:creationId xmlns:p14="http://schemas.microsoft.com/office/powerpoint/2010/main" val="2499357260"/>
-      </p:ext>
-    </p:extLst>
-  </p:cSld>
-  <p:clrMapOvr>
-    <a:masterClrMapping/>
-  </p:clrMapOvr>
-</p:sld>
-</file>
-
-<file path=ppt/slides/slide25.xml><?xml version="1.0" encoding="utf-8"?>
-<p:sld xmlns:a="http://schemas.openxmlformats.org/drawingml/2006/main" xmlns:r="http://schemas.openxmlformats.org/officeDocument/2006/relationships" xmlns:p="http://schemas.openxmlformats.org/presentationml/2006/main">
-  <p:cSld>
-    <p:spTree>
-      <p:nvGrpSpPr>
-        <p:cNvPr id="1" name=""/>
-        <p:cNvGrpSpPr/>
-        <p:nvPr/>
-      </p:nvGrpSpPr>
-      <p:grpSpPr>
-        <a:xfrm>
-          <a:off x="0" y="0"/>
-          <a:ext cx="0" cy="0"/>
-          <a:chOff x="0" y="0"/>
-          <a:chExt cx="0" cy="0"/>
-        </a:xfrm>
-      </p:grpSpPr>
-      <p:sp>
-        <p:nvSpPr>
           <p:cNvPr id="2" name="object 2"/>
           <p:cNvSpPr/>
           <p:nvPr/>
@@ -12842,7 +12282,7 @@
                 <a:cs typeface="Calibri"/>
               </a:rPr>
               <a:pPr marL="25400"/>
-              <a:t>25</a:t>
+              <a:t>24</a:t>
             </a:fld>
             <a:endParaRPr dirty="0">
               <a:latin typeface="Calibri"/>

--- a/CalendarioAgo20L/presentaciones/3_Componentes.pptx
+++ b/CalendarioAgo20L/presentaciones/3_Componentes.pptx
@@ -231,7 +231,7 @@
           <a:p>
             <a:fld id="{2D445F07-8756-451B-A938-0248325FC7BB}" type="datetimeFigureOut">
               <a:rPr lang="es-MX" smtClean="0"/>
-              <a:t>16/08/2020</a:t>
+              <a:t>17/08/2020</a:t>
             </a:fld>
             <a:endParaRPr lang="es-MX" dirty="0"/>
           </a:p>
@@ -2024,7 +2024,7 @@
           <a:p>
             <a:fld id="{5E75A0DC-66C6-4CEC-A5EB-F8C97CEC3796}" type="datetimeFigureOut">
               <a:rPr lang="es-MX" smtClean="0"/>
-              <a:t>16/08/2020</a:t>
+              <a:t>17/08/2020</a:t>
             </a:fld>
             <a:endParaRPr lang="es-MX" dirty="0"/>
           </a:p>
@@ -2194,7 +2194,7 @@
           <a:p>
             <a:fld id="{5E75A0DC-66C6-4CEC-A5EB-F8C97CEC3796}" type="datetimeFigureOut">
               <a:rPr lang="es-MX" smtClean="0"/>
-              <a:t>16/08/2020</a:t>
+              <a:t>17/08/2020</a:t>
             </a:fld>
             <a:endParaRPr lang="es-MX" dirty="0"/>
           </a:p>
@@ -2374,7 +2374,7 @@
           <a:p>
             <a:fld id="{5E75A0DC-66C6-4CEC-A5EB-F8C97CEC3796}" type="datetimeFigureOut">
               <a:rPr lang="es-MX" smtClean="0"/>
-              <a:t>16/08/2020</a:t>
+              <a:t>17/08/2020</a:t>
             </a:fld>
             <a:endParaRPr lang="es-MX" dirty="0"/>
           </a:p>
@@ -2527,7 +2527,7 @@
           <a:p>
             <a:fld id="{1D8BD707-D9CF-40AE-B4C6-C98DA3205C09}" type="datetimeFigureOut">
               <a:rPr lang="en-US" smtClean="0"/>
-              <a:t>8/16/2020</a:t>
+              <a:t>8/17/2020</a:t>
             </a:fld>
             <a:endParaRPr lang="en-US"/>
           </a:p>
@@ -2687,7 +2687,7 @@
           <a:p>
             <a:fld id="{5E75A0DC-66C6-4CEC-A5EB-F8C97CEC3796}" type="datetimeFigureOut">
               <a:rPr lang="es-MX" smtClean="0"/>
-              <a:t>16/08/2020</a:t>
+              <a:t>17/08/2020</a:t>
             </a:fld>
             <a:endParaRPr lang="es-MX" dirty="0"/>
           </a:p>
@@ -2933,7 +2933,7 @@
           <a:p>
             <a:fld id="{5E75A0DC-66C6-4CEC-A5EB-F8C97CEC3796}" type="datetimeFigureOut">
               <a:rPr lang="es-MX" smtClean="0"/>
-              <a:t>16/08/2020</a:t>
+              <a:t>17/08/2020</a:t>
             </a:fld>
             <a:endParaRPr lang="es-MX" dirty="0"/>
           </a:p>
@@ -3221,7 +3221,7 @@
           <a:p>
             <a:fld id="{5E75A0DC-66C6-4CEC-A5EB-F8C97CEC3796}" type="datetimeFigureOut">
               <a:rPr lang="es-MX" smtClean="0"/>
-              <a:t>16/08/2020</a:t>
+              <a:t>17/08/2020</a:t>
             </a:fld>
             <a:endParaRPr lang="es-MX" dirty="0"/>
           </a:p>
@@ -3643,7 +3643,7 @@
           <a:p>
             <a:fld id="{5E75A0DC-66C6-4CEC-A5EB-F8C97CEC3796}" type="datetimeFigureOut">
               <a:rPr lang="es-MX" smtClean="0"/>
-              <a:t>16/08/2020</a:t>
+              <a:t>17/08/2020</a:t>
             </a:fld>
             <a:endParaRPr lang="es-MX" dirty="0"/>
           </a:p>
@@ -3761,7 +3761,7 @@
           <a:p>
             <a:fld id="{5E75A0DC-66C6-4CEC-A5EB-F8C97CEC3796}" type="datetimeFigureOut">
               <a:rPr lang="es-MX" smtClean="0"/>
-              <a:t>16/08/2020</a:t>
+              <a:t>17/08/2020</a:t>
             </a:fld>
             <a:endParaRPr lang="es-MX" dirty="0"/>
           </a:p>
@@ -3856,7 +3856,7 @@
           <a:p>
             <a:fld id="{5E75A0DC-66C6-4CEC-A5EB-F8C97CEC3796}" type="datetimeFigureOut">
               <a:rPr lang="es-MX" smtClean="0"/>
-              <a:t>16/08/2020</a:t>
+              <a:t>17/08/2020</a:t>
             </a:fld>
             <a:endParaRPr lang="es-MX" dirty="0"/>
           </a:p>
@@ -4133,7 +4133,7 @@
           <a:p>
             <a:fld id="{5E75A0DC-66C6-4CEC-A5EB-F8C97CEC3796}" type="datetimeFigureOut">
               <a:rPr lang="es-MX" smtClean="0"/>
-              <a:t>16/08/2020</a:t>
+              <a:t>17/08/2020</a:t>
             </a:fld>
             <a:endParaRPr lang="es-MX" dirty="0"/>
           </a:p>
@@ -4386,7 +4386,7 @@
           <a:p>
             <a:fld id="{5E75A0DC-66C6-4CEC-A5EB-F8C97CEC3796}" type="datetimeFigureOut">
               <a:rPr lang="es-MX" smtClean="0"/>
-              <a:t>16/08/2020</a:t>
+              <a:t>17/08/2020</a:t>
             </a:fld>
             <a:endParaRPr lang="es-MX" dirty="0"/>
           </a:p>
@@ -4599,7 +4599,7 @@
           <a:p>
             <a:fld id="{5E75A0DC-66C6-4CEC-A5EB-F8C97CEC3796}" type="datetimeFigureOut">
               <a:rPr lang="es-MX" smtClean="0"/>
-              <a:t>16/08/2020</a:t>
+              <a:t>17/08/2020</a:t>
             </a:fld>
             <a:endParaRPr lang="es-MX" dirty="0"/>
           </a:p>
